--- a/class/subjects/BCT/assignment/promotionofbusiness.pptx
+++ b/class/subjects/BCT/assignment/promotionofbusiness.pptx
@@ -690,13 +690,13 @@
   <p:clrMapOvr>
     <a:masterClrMapping/>
   </p:clrMapOvr>
-  <mc:AlternateContent xmlns:mc="http://schemas.openxmlformats.org/markup-compatibility/2006">
-    <mc:Choice xmlns:p14="http://schemas.microsoft.com/office/powerpoint/2010/main" Requires="p14">
+  <mc:AlternateContent xmlns:mc="http://schemas.openxmlformats.org/markup-compatibility/2006" xmlns:p14="http://schemas.microsoft.com/office/powerpoint/2010/main">
+    <mc:Choice Requires="p14">
       <p:transition spd="slow" p14:dur="2000">
         <p14:reveal/>
       </p:transition>
     </mc:Choice>
-    <mc:Fallback>
+    <mc:Fallback xmlns="">
       <p:transition spd="slow">
         <p:fade/>
       </p:transition>
@@ -993,13 +993,13 @@
   <p:clrMapOvr>
     <a:masterClrMapping/>
   </p:clrMapOvr>
-  <mc:AlternateContent xmlns:mc="http://schemas.openxmlformats.org/markup-compatibility/2006">
-    <mc:Choice xmlns:p14="http://schemas.microsoft.com/office/powerpoint/2010/main" Requires="p14">
+  <mc:AlternateContent xmlns:mc="http://schemas.openxmlformats.org/markup-compatibility/2006" xmlns:p14="http://schemas.microsoft.com/office/powerpoint/2010/main">
+    <mc:Choice Requires="p14">
       <p:transition spd="slow" p14:dur="2000">
         <p14:reveal/>
       </p:transition>
     </mc:Choice>
-    <mc:Fallback>
+    <mc:Fallback xmlns="">
       <p:transition spd="slow">
         <p:fade/>
       </p:transition>
@@ -1253,13 +1253,13 @@
   <p:clrMapOvr>
     <a:masterClrMapping/>
   </p:clrMapOvr>
-  <mc:AlternateContent xmlns:mc="http://schemas.openxmlformats.org/markup-compatibility/2006">
-    <mc:Choice xmlns:p14="http://schemas.microsoft.com/office/powerpoint/2010/main" Requires="p14">
+  <mc:AlternateContent xmlns:mc="http://schemas.openxmlformats.org/markup-compatibility/2006" xmlns:p14="http://schemas.microsoft.com/office/powerpoint/2010/main">
+    <mc:Choice Requires="p14">
       <p:transition spd="slow" p14:dur="2000">
         <p14:reveal/>
       </p:transition>
     </mc:Choice>
-    <mc:Fallback>
+    <mc:Fallback xmlns="">
       <p:transition spd="slow">
         <p:fade/>
       </p:transition>
@@ -1805,13 +1805,13 @@
   <p:clrMapOvr>
     <a:masterClrMapping/>
   </p:clrMapOvr>
-  <mc:AlternateContent xmlns:mc="http://schemas.openxmlformats.org/markup-compatibility/2006">
-    <mc:Choice xmlns:p14="http://schemas.microsoft.com/office/powerpoint/2010/main" Requires="p14">
+  <mc:AlternateContent xmlns:mc="http://schemas.openxmlformats.org/markup-compatibility/2006" xmlns:p14="http://schemas.microsoft.com/office/powerpoint/2010/main">
+    <mc:Choice Requires="p14">
       <p:transition spd="slow" p14:dur="2000">
         <p14:reveal/>
       </p:transition>
     </mc:Choice>
-    <mc:Fallback>
+    <mc:Fallback xmlns="">
       <p:transition spd="slow">
         <p:fade/>
       </p:transition>
@@ -2065,13 +2065,13 @@
   <p:clrMapOvr>
     <a:masterClrMapping/>
   </p:clrMapOvr>
-  <mc:AlternateContent xmlns:mc="http://schemas.openxmlformats.org/markup-compatibility/2006">
-    <mc:Choice xmlns:p14="http://schemas.microsoft.com/office/powerpoint/2010/main" Requires="p14">
+  <mc:AlternateContent xmlns:mc="http://schemas.openxmlformats.org/markup-compatibility/2006" xmlns:p14="http://schemas.microsoft.com/office/powerpoint/2010/main">
+    <mc:Choice Requires="p14">
       <p:transition spd="slow" p14:dur="2000">
         <p14:reveal/>
       </p:transition>
     </mc:Choice>
-    <mc:Fallback>
+    <mc:Fallback xmlns="">
       <p:transition spd="slow">
         <p:fade/>
       </p:transition>
@@ -2609,13 +2609,13 @@
   <p:clrMapOvr>
     <a:masterClrMapping/>
   </p:clrMapOvr>
-  <mc:AlternateContent xmlns:mc="http://schemas.openxmlformats.org/markup-compatibility/2006">
-    <mc:Choice xmlns:p14="http://schemas.microsoft.com/office/powerpoint/2010/main" Requires="p14">
+  <mc:AlternateContent xmlns:mc="http://schemas.openxmlformats.org/markup-compatibility/2006" xmlns:p14="http://schemas.microsoft.com/office/powerpoint/2010/main">
+    <mc:Choice Requires="p14">
       <p:transition spd="slow" p14:dur="2000">
         <p14:reveal/>
       </p:transition>
     </mc:Choice>
-    <mc:Fallback>
+    <mc:Fallback xmlns="">
       <p:transition spd="slow">
         <p:fade/>
       </p:transition>
@@ -2918,13 +2918,13 @@
   <p:clrMapOvr>
     <a:masterClrMapping/>
   </p:clrMapOvr>
-  <mc:AlternateContent xmlns:mc="http://schemas.openxmlformats.org/markup-compatibility/2006">
-    <mc:Choice xmlns:p14="http://schemas.microsoft.com/office/powerpoint/2010/main" Requires="p14">
+  <mc:AlternateContent xmlns:mc="http://schemas.openxmlformats.org/markup-compatibility/2006" xmlns:p14="http://schemas.microsoft.com/office/powerpoint/2010/main">
+    <mc:Choice Requires="p14">
       <p:transition spd="slow" p14:dur="2000">
         <p14:reveal/>
       </p:transition>
     </mc:Choice>
-    <mc:Fallback>
+    <mc:Fallback xmlns="">
       <p:transition spd="slow">
         <p:fade/>
       </p:transition>
@@ -3104,13 +3104,13 @@
   <p:clrMapOvr>
     <a:masterClrMapping/>
   </p:clrMapOvr>
-  <mc:AlternateContent xmlns:mc="http://schemas.openxmlformats.org/markup-compatibility/2006">
-    <mc:Choice xmlns:p14="http://schemas.microsoft.com/office/powerpoint/2010/main" Requires="p14">
+  <mc:AlternateContent xmlns:mc="http://schemas.openxmlformats.org/markup-compatibility/2006" xmlns:p14="http://schemas.microsoft.com/office/powerpoint/2010/main">
+    <mc:Choice Requires="p14">
       <p:transition spd="slow" p14:dur="2000">
         <p14:reveal/>
       </p:transition>
     </mc:Choice>
-    <mc:Fallback>
+    <mc:Fallback xmlns="">
       <p:transition spd="slow">
         <p:fade/>
       </p:transition>
@@ -3296,13 +3296,13 @@
   <p:clrMapOvr>
     <a:masterClrMapping/>
   </p:clrMapOvr>
-  <mc:AlternateContent xmlns:mc="http://schemas.openxmlformats.org/markup-compatibility/2006">
-    <mc:Choice xmlns:p14="http://schemas.microsoft.com/office/powerpoint/2010/main" Requires="p14">
+  <mc:AlternateContent xmlns:mc="http://schemas.openxmlformats.org/markup-compatibility/2006" xmlns:p14="http://schemas.microsoft.com/office/powerpoint/2010/main">
+    <mc:Choice Requires="p14">
       <p:transition spd="slow" p14:dur="2000">
         <p14:reveal/>
       </p:transition>
     </mc:Choice>
-    <mc:Fallback>
+    <mc:Fallback xmlns="">
       <p:transition spd="slow">
         <p:fade/>
       </p:transition>
@@ -3483,13 +3483,13 @@
   <p:clrMapOvr>
     <a:masterClrMapping/>
   </p:clrMapOvr>
-  <mc:AlternateContent xmlns:mc="http://schemas.openxmlformats.org/markup-compatibility/2006">
-    <mc:Choice xmlns:p14="http://schemas.microsoft.com/office/powerpoint/2010/main" Requires="p14">
+  <mc:AlternateContent xmlns:mc="http://schemas.openxmlformats.org/markup-compatibility/2006" xmlns:p14="http://schemas.microsoft.com/office/powerpoint/2010/main">
+    <mc:Choice Requires="p14">
       <p:transition spd="slow" p14:dur="2000">
         <p14:reveal/>
       </p:transition>
     </mc:Choice>
-    <mc:Fallback>
+    <mc:Fallback xmlns="">
       <p:transition spd="slow">
         <p:fade/>
       </p:transition>
@@ -3741,13 +3741,13 @@
   <p:clrMapOvr>
     <a:masterClrMapping/>
   </p:clrMapOvr>
-  <mc:AlternateContent xmlns:mc="http://schemas.openxmlformats.org/markup-compatibility/2006">
-    <mc:Choice xmlns:p14="http://schemas.microsoft.com/office/powerpoint/2010/main" Requires="p14">
+  <mc:AlternateContent xmlns:mc="http://schemas.openxmlformats.org/markup-compatibility/2006" xmlns:p14="http://schemas.microsoft.com/office/powerpoint/2010/main">
+    <mc:Choice Requires="p14">
       <p:transition spd="slow" p14:dur="2000">
         <p14:reveal/>
       </p:transition>
     </mc:Choice>
-    <mc:Fallback>
+    <mc:Fallback xmlns="">
       <p:transition spd="slow">
         <p:fade/>
       </p:transition>
@@ -4050,13 +4050,13 @@
   <p:clrMapOvr>
     <a:masterClrMapping/>
   </p:clrMapOvr>
-  <mc:AlternateContent xmlns:mc="http://schemas.openxmlformats.org/markup-compatibility/2006">
-    <mc:Choice xmlns:p14="http://schemas.microsoft.com/office/powerpoint/2010/main" Requires="p14">
+  <mc:AlternateContent xmlns:mc="http://schemas.openxmlformats.org/markup-compatibility/2006" xmlns:p14="http://schemas.microsoft.com/office/powerpoint/2010/main">
+    <mc:Choice Requires="p14">
       <p:transition spd="slow" p14:dur="2000">
         <p14:reveal/>
       </p:transition>
     </mc:Choice>
-    <mc:Fallback>
+    <mc:Fallback xmlns="">
       <p:transition spd="slow">
         <p:fade/>
       </p:transition>
@@ -4504,13 +4504,13 @@
   <p:clrMapOvr>
     <a:masterClrMapping/>
   </p:clrMapOvr>
-  <mc:AlternateContent xmlns:mc="http://schemas.openxmlformats.org/markup-compatibility/2006">
-    <mc:Choice xmlns:p14="http://schemas.microsoft.com/office/powerpoint/2010/main" Requires="p14">
+  <mc:AlternateContent xmlns:mc="http://schemas.openxmlformats.org/markup-compatibility/2006" xmlns:p14="http://schemas.microsoft.com/office/powerpoint/2010/main">
+    <mc:Choice Requires="p14">
       <p:transition spd="slow" p14:dur="2000">
         <p14:reveal/>
       </p:transition>
     </mc:Choice>
-    <mc:Fallback>
+    <mc:Fallback xmlns="">
       <p:transition spd="slow">
         <p:fade/>
       </p:transition>
@@ -4634,13 +4634,13 @@
   <p:clrMapOvr>
     <a:masterClrMapping/>
   </p:clrMapOvr>
-  <mc:AlternateContent xmlns:mc="http://schemas.openxmlformats.org/markup-compatibility/2006">
-    <mc:Choice xmlns:p14="http://schemas.microsoft.com/office/powerpoint/2010/main" Requires="p14">
+  <mc:AlternateContent xmlns:mc="http://schemas.openxmlformats.org/markup-compatibility/2006" xmlns:p14="http://schemas.microsoft.com/office/powerpoint/2010/main">
+    <mc:Choice Requires="p14">
       <p:transition spd="slow" p14:dur="2000">
         <p14:reveal/>
       </p:transition>
     </mc:Choice>
-    <mc:Fallback>
+    <mc:Fallback xmlns="">
       <p:transition spd="slow">
         <p:fade/>
       </p:transition>
@@ -4741,13 +4741,13 @@
   <p:clrMapOvr>
     <a:masterClrMapping/>
   </p:clrMapOvr>
-  <mc:AlternateContent xmlns:mc="http://schemas.openxmlformats.org/markup-compatibility/2006">
-    <mc:Choice xmlns:p14="http://schemas.microsoft.com/office/powerpoint/2010/main" Requires="p14">
+  <mc:AlternateContent xmlns:mc="http://schemas.openxmlformats.org/markup-compatibility/2006" xmlns:p14="http://schemas.microsoft.com/office/powerpoint/2010/main">
+    <mc:Choice Requires="p14">
       <p:transition spd="slow" p14:dur="2000">
         <p14:reveal/>
       </p:transition>
     </mc:Choice>
-    <mc:Fallback>
+    <mc:Fallback xmlns="">
       <p:transition spd="slow">
         <p:fade/>
       </p:transition>
@@ -5036,13 +5036,13 @@
   <p:clrMapOvr>
     <a:masterClrMapping/>
   </p:clrMapOvr>
-  <mc:AlternateContent xmlns:mc="http://schemas.openxmlformats.org/markup-compatibility/2006">
-    <mc:Choice xmlns:p14="http://schemas.microsoft.com/office/powerpoint/2010/main" Requires="p14">
+  <mc:AlternateContent xmlns:mc="http://schemas.openxmlformats.org/markup-compatibility/2006" xmlns:p14="http://schemas.microsoft.com/office/powerpoint/2010/main">
+    <mc:Choice Requires="p14">
       <p:transition spd="slow" p14:dur="2000">
         <p14:reveal/>
       </p:transition>
     </mc:Choice>
-    <mc:Fallback>
+    <mc:Fallback xmlns="">
       <p:transition spd="slow">
         <p:fade/>
       </p:transition>
@@ -5339,13 +5339,13 @@
   <p:clrMapOvr>
     <a:masterClrMapping/>
   </p:clrMapOvr>
-  <mc:AlternateContent xmlns:mc="http://schemas.openxmlformats.org/markup-compatibility/2006">
-    <mc:Choice xmlns:p14="http://schemas.microsoft.com/office/powerpoint/2010/main" Requires="p14">
+  <mc:AlternateContent xmlns:mc="http://schemas.openxmlformats.org/markup-compatibility/2006" xmlns:p14="http://schemas.microsoft.com/office/powerpoint/2010/main">
+    <mc:Choice Requires="p14">
       <p:transition spd="slow" p14:dur="2000">
         <p14:reveal/>
       </p:transition>
     </mc:Choice>
-    <mc:Fallback>
+    <mc:Fallback xmlns="">
       <p:transition spd="slow">
         <p:fade/>
       </p:transition>
@@ -5934,13 +5934,13 @@
     <p:sldLayoutId id="2147484013" r:id="rId16"/>
     <p:sldLayoutId id="2147484014" r:id="rId17"/>
   </p:sldLayoutIdLst>
-  <mc:AlternateContent xmlns:mc="http://schemas.openxmlformats.org/markup-compatibility/2006">
-    <mc:Choice xmlns:p14="http://schemas.microsoft.com/office/powerpoint/2010/main" Requires="p14">
+  <mc:AlternateContent xmlns:mc="http://schemas.openxmlformats.org/markup-compatibility/2006" xmlns:p14="http://schemas.microsoft.com/office/powerpoint/2010/main">
+    <mc:Choice Requires="p14">
       <p:transition spd="slow" p14:dur="2000">
         <p14:reveal/>
       </p:transition>
     </mc:Choice>
-    <mc:Fallback>
+    <mc:Fallback xmlns="">
       <p:transition spd="slow">
         <p:fade/>
       </p:transition>
@@ -6658,13 +6658,13 @@
   <p:clrMapOvr>
     <a:masterClrMapping/>
   </p:clrMapOvr>
-  <mc:AlternateContent xmlns:mc="http://schemas.openxmlformats.org/markup-compatibility/2006">
-    <mc:Choice xmlns:p14="http://schemas.microsoft.com/office/powerpoint/2010/main" Requires="p14">
+  <mc:AlternateContent xmlns:mc="http://schemas.openxmlformats.org/markup-compatibility/2006" xmlns:p14="http://schemas.microsoft.com/office/powerpoint/2010/main">
+    <mc:Choice Requires="p14">
       <p:transition spd="slow" p14:dur="2000">
         <p14:reveal/>
       </p:transition>
     </mc:Choice>
-    <mc:Fallback>
+    <mc:Fallback xmlns="">
       <p:transition spd="slow">
         <p:fade/>
       </p:transition>
@@ -7546,13 +7546,13 @@
   <p:clrMapOvr>
     <a:masterClrMapping/>
   </p:clrMapOvr>
-  <mc:AlternateContent xmlns:mc="http://schemas.openxmlformats.org/markup-compatibility/2006">
-    <mc:Choice xmlns:p14="http://schemas.microsoft.com/office/powerpoint/2010/main" Requires="p14">
+  <mc:AlternateContent xmlns:mc="http://schemas.openxmlformats.org/markup-compatibility/2006" xmlns:p14="http://schemas.microsoft.com/office/powerpoint/2010/main">
+    <mc:Choice Requires="p14">
       <p:transition spd="slow" p14:dur="2000">
         <p14:reveal/>
       </p:transition>
     </mc:Choice>
-    <mc:Fallback>
+    <mc:Fallback xmlns="">
       <p:transition spd="slow">
         <p:fade/>
       </p:transition>
@@ -8417,13 +8417,13 @@
   <p:clrMapOvr>
     <a:masterClrMapping/>
   </p:clrMapOvr>
-  <mc:AlternateContent xmlns:mc="http://schemas.openxmlformats.org/markup-compatibility/2006">
-    <mc:Choice xmlns:p14="http://schemas.microsoft.com/office/powerpoint/2010/main" Requires="p14">
+  <mc:AlternateContent xmlns:mc="http://schemas.openxmlformats.org/markup-compatibility/2006" xmlns:p14="http://schemas.microsoft.com/office/powerpoint/2010/main">
+    <mc:Choice Requires="p14">
       <p:transition spd="slow" p14:dur="2000">
         <p14:reveal/>
       </p:transition>
     </mc:Choice>
-    <mc:Fallback>
+    <mc:Fallback xmlns="">
       <p:transition spd="slow">
         <p:fade/>
       </p:transition>
@@ -8539,13 +8539,13 @@
   <p:clrMapOvr>
     <a:masterClrMapping/>
   </p:clrMapOvr>
-  <mc:AlternateContent xmlns:mc="http://schemas.openxmlformats.org/markup-compatibility/2006">
-    <mc:Choice xmlns:p14="http://schemas.microsoft.com/office/powerpoint/2010/main" Requires="p14">
+  <mc:AlternateContent xmlns:mc="http://schemas.openxmlformats.org/markup-compatibility/2006" xmlns:p14="http://schemas.microsoft.com/office/powerpoint/2010/main">
+    <mc:Choice Requires="p14">
       <p:transition spd="slow" p14:dur="2000">
         <p14:reveal/>
       </p:transition>
     </mc:Choice>
-    <mc:Fallback>
+    <mc:Fallback xmlns="">
       <p:transition spd="slow">
         <p:fade/>
       </p:transition>
@@ -8595,13 +8595,13 @@
   <p:clrMapOvr>
     <a:masterClrMapping/>
   </p:clrMapOvr>
-  <mc:AlternateContent xmlns:mc="http://schemas.openxmlformats.org/markup-compatibility/2006">
-    <mc:Choice xmlns:p14="http://schemas.microsoft.com/office/powerpoint/2010/main" Requires="p14">
+  <mc:AlternateContent xmlns:mc="http://schemas.openxmlformats.org/markup-compatibility/2006" xmlns:p14="http://schemas.microsoft.com/office/powerpoint/2010/main">
+    <mc:Choice Requires="p14">
       <p:transition spd="slow" p14:dur="2000">
         <p14:reveal/>
       </p:transition>
     </mc:Choice>
-    <mc:Fallback>
+    <mc:Fallback xmlns="">
       <p:transition spd="slow">
         <p:fade/>
       </p:transition>
@@ -8780,6 +8780,19 @@
             </a:pPr>
             <a:r>
               <a:rPr lang="en-US" dirty="0"/>
+              <a:t> Whereabouts of promotion</a:t>
+            </a:r>
+          </a:p>
+          <a:p>
+            <a:pPr>
+              <a:buClr>
+                <a:schemeClr val="tx1"/>
+              </a:buClr>
+              <a:buFont typeface="Wingdings" panose="05000000000000000000" pitchFamily="2" charset="2"/>
+              <a:buChar char="v"/>
+            </a:pPr>
+            <a:r>
+              <a:rPr lang="en-US" dirty="0"/>
               <a:t> Conclusion</a:t>
             </a:r>
           </a:p>
@@ -8795,13 +8808,13 @@
   <p:clrMapOvr>
     <a:masterClrMapping/>
   </p:clrMapOvr>
-  <mc:AlternateContent xmlns:mc="http://schemas.openxmlformats.org/markup-compatibility/2006">
-    <mc:Choice xmlns:p14="http://schemas.microsoft.com/office/powerpoint/2010/main" Requires="p14">
+  <mc:AlternateContent xmlns:mc="http://schemas.openxmlformats.org/markup-compatibility/2006" xmlns:p14="http://schemas.microsoft.com/office/powerpoint/2010/main">
+    <mc:Choice Requires="p14">
       <p:transition spd="slow" p14:dur="2000">
         <p14:reveal/>
       </p:transition>
     </mc:Choice>
-    <mc:Fallback>
+    <mc:Fallback xmlns="">
       <p:transition spd="slow">
         <p:fade/>
       </p:transition>
@@ -9536,6 +9549,109 @@
                       </p:childTnLst>
                     </p:cTn>
                   </p:par>
+                  <p:par>
+                    <p:cTn id="45" fill="hold">
+                      <p:stCondLst>
+                        <p:cond delay="indefinite"/>
+                      </p:stCondLst>
+                      <p:childTnLst>
+                        <p:par>
+                          <p:cTn id="46" fill="hold">
+                            <p:stCondLst>
+                              <p:cond delay="0"/>
+                            </p:stCondLst>
+                            <p:childTnLst>
+                              <p:par>
+                                <p:cTn id="47" presetID="2" presetClass="entr" presetSubtype="4" fill="hold" grpId="0" nodeType="clickEffect">
+                                  <p:stCondLst>
+                                    <p:cond delay="0"/>
+                                  </p:stCondLst>
+                                  <p:childTnLst>
+                                    <p:set>
+                                      <p:cBhvr>
+                                        <p:cTn id="48" dur="1" fill="hold">
+                                          <p:stCondLst>
+                                            <p:cond delay="0"/>
+                                          </p:stCondLst>
+                                        </p:cTn>
+                                        <p:tgtEl>
+                                          <p:spTgt spid="3">
+                                            <p:txEl>
+                                              <p:pRg st="7" end="7"/>
+                                            </p:txEl>
+                                          </p:spTgt>
+                                        </p:tgtEl>
+                                        <p:attrNameLst>
+                                          <p:attrName>style.visibility</p:attrName>
+                                        </p:attrNameLst>
+                                      </p:cBhvr>
+                                      <p:to>
+                                        <p:strVal val="visible"/>
+                                      </p:to>
+                                    </p:set>
+                                    <p:anim calcmode="lin" valueType="num">
+                                      <p:cBhvr additive="base">
+                                        <p:cTn id="49" dur="500" fill="hold"/>
+                                        <p:tgtEl>
+                                          <p:spTgt spid="3">
+                                            <p:txEl>
+                                              <p:pRg st="7" end="7"/>
+                                            </p:txEl>
+                                          </p:spTgt>
+                                        </p:tgtEl>
+                                        <p:attrNameLst>
+                                          <p:attrName>ppt_x</p:attrName>
+                                        </p:attrNameLst>
+                                      </p:cBhvr>
+                                      <p:tavLst>
+                                        <p:tav tm="0">
+                                          <p:val>
+                                            <p:strVal val="#ppt_x"/>
+                                          </p:val>
+                                        </p:tav>
+                                        <p:tav tm="100000">
+                                          <p:val>
+                                            <p:strVal val="#ppt_x"/>
+                                          </p:val>
+                                        </p:tav>
+                                      </p:tavLst>
+                                    </p:anim>
+                                    <p:anim calcmode="lin" valueType="num">
+                                      <p:cBhvr additive="base">
+                                        <p:cTn id="50" dur="500" fill="hold"/>
+                                        <p:tgtEl>
+                                          <p:spTgt spid="3">
+                                            <p:txEl>
+                                              <p:pRg st="7" end="7"/>
+                                            </p:txEl>
+                                          </p:spTgt>
+                                        </p:tgtEl>
+                                        <p:attrNameLst>
+                                          <p:attrName>ppt_y</p:attrName>
+                                        </p:attrNameLst>
+                                      </p:cBhvr>
+                                      <p:tavLst>
+                                        <p:tav tm="0">
+                                          <p:val>
+                                            <p:strVal val="1+#ppt_h/2"/>
+                                          </p:val>
+                                        </p:tav>
+                                        <p:tav tm="100000">
+                                          <p:val>
+                                            <p:strVal val="#ppt_y"/>
+                                          </p:val>
+                                        </p:tav>
+                                      </p:tavLst>
+                                    </p:anim>
+                                  </p:childTnLst>
+                                </p:cTn>
+                              </p:par>
+                            </p:childTnLst>
+                          </p:cTn>
+                        </p:par>
+                      </p:childTnLst>
+                    </p:cTn>
+                  </p:par>
                 </p:childTnLst>
               </p:cTn>
               <p:prevCondLst>
@@ -9605,13 +9721,13 @@
   <p:clrMapOvr>
     <a:masterClrMapping/>
   </p:clrMapOvr>
-  <mc:AlternateContent xmlns:mc="http://schemas.openxmlformats.org/markup-compatibility/2006">
-    <mc:Choice xmlns:p14="http://schemas.microsoft.com/office/powerpoint/2010/main" Requires="p14">
+  <mc:AlternateContent xmlns:mc="http://schemas.openxmlformats.org/markup-compatibility/2006" xmlns:p14="http://schemas.microsoft.com/office/powerpoint/2010/main">
+    <mc:Choice Requires="p14">
       <p:transition spd="slow" p14:dur="2000">
         <p14:reveal/>
       </p:transition>
     </mc:Choice>
-    <mc:Fallback>
+    <mc:Fallback xmlns="">
       <p:transition spd="slow">
         <p:fade/>
       </p:transition>
@@ -9753,13 +9869,13 @@
   <p:clrMapOvr>
     <a:masterClrMapping/>
   </p:clrMapOvr>
-  <mc:AlternateContent xmlns:mc="http://schemas.openxmlformats.org/markup-compatibility/2006">
-    <mc:Choice xmlns:p14="http://schemas.microsoft.com/office/powerpoint/2010/main" Requires="p14">
+  <mc:AlternateContent xmlns:mc="http://schemas.openxmlformats.org/markup-compatibility/2006" xmlns:p14="http://schemas.microsoft.com/office/powerpoint/2010/main">
+    <mc:Choice Requires="p14">
       <p:transition spd="slow" p14:dur="2000">
         <p14:reveal/>
       </p:transition>
     </mc:Choice>
-    <mc:Fallback>
+    <mc:Fallback xmlns="">
       <p:transition spd="slow">
         <p:fade/>
       </p:transition>
@@ -10050,13 +10166,13 @@
   <p:clrMapOvr>
     <a:masterClrMapping/>
   </p:clrMapOvr>
-  <mc:AlternateContent xmlns:mc="http://schemas.openxmlformats.org/markup-compatibility/2006">
-    <mc:Choice xmlns:p14="http://schemas.microsoft.com/office/powerpoint/2010/main" Requires="p14">
+  <mc:AlternateContent xmlns:mc="http://schemas.openxmlformats.org/markup-compatibility/2006" xmlns:p14="http://schemas.microsoft.com/office/powerpoint/2010/main">
+    <mc:Choice Requires="p14">
       <p:transition spd="slow" p14:dur="2000">
         <p14:reveal/>
       </p:transition>
     </mc:Choice>
-    <mc:Fallback>
+    <mc:Fallback xmlns="">
       <p:transition spd="slow">
         <p:fade/>
       </p:transition>
@@ -10106,13 +10222,13 @@
   <p:clrMapOvr>
     <a:masterClrMapping/>
   </p:clrMapOvr>
-  <mc:AlternateContent xmlns:mc="http://schemas.openxmlformats.org/markup-compatibility/2006">
-    <mc:Choice xmlns:p14="http://schemas.microsoft.com/office/powerpoint/2010/main" Requires="p14">
+  <mc:AlternateContent xmlns:mc="http://schemas.openxmlformats.org/markup-compatibility/2006" xmlns:p14="http://schemas.microsoft.com/office/powerpoint/2010/main">
+    <mc:Choice Requires="p14">
       <p:transition spd="slow" p14:dur="2000">
         <p14:reveal/>
       </p:transition>
     </mc:Choice>
-    <mc:Fallback>
+    <mc:Fallback xmlns="">
       <p:transition spd="slow">
         <p:fade/>
       </p:transition>
@@ -10238,13 +10354,13 @@
   <p:clrMapOvr>
     <a:masterClrMapping/>
   </p:clrMapOvr>
-  <mc:AlternateContent xmlns:mc="http://schemas.openxmlformats.org/markup-compatibility/2006">
-    <mc:Choice xmlns:p14="http://schemas.microsoft.com/office/powerpoint/2010/main" Requires="p14">
+  <mc:AlternateContent xmlns:mc="http://schemas.openxmlformats.org/markup-compatibility/2006" xmlns:p14="http://schemas.microsoft.com/office/powerpoint/2010/main">
+    <mc:Choice Requires="p14">
       <p:transition spd="slow" p14:dur="2000">
         <p14:reveal/>
       </p:transition>
     </mc:Choice>
-    <mc:Fallback>
+    <mc:Fallback xmlns="">
       <p:transition spd="slow">
         <p:fade/>
       </p:transition>
@@ -10420,13 +10536,13 @@
   <p:clrMapOvr>
     <a:masterClrMapping/>
   </p:clrMapOvr>
-  <mc:AlternateContent xmlns:mc="http://schemas.openxmlformats.org/markup-compatibility/2006">
-    <mc:Choice xmlns:p14="http://schemas.microsoft.com/office/powerpoint/2010/main" Requires="p14">
+  <mc:AlternateContent xmlns:mc="http://schemas.openxmlformats.org/markup-compatibility/2006" xmlns:p14="http://schemas.microsoft.com/office/powerpoint/2010/main">
+    <mc:Choice Requires="p14">
       <p:transition spd="slow" p14:dur="2000">
         <p14:reveal/>
       </p:transition>
     </mc:Choice>
-    <mc:Fallback>
+    <mc:Fallback xmlns="">
       <p:transition spd="slow">
         <p:fade/>
       </p:transition>
@@ -10827,13 +10943,13 @@
   <p:clrMapOvr>
     <a:masterClrMapping/>
   </p:clrMapOvr>
-  <mc:AlternateContent xmlns:mc="http://schemas.openxmlformats.org/markup-compatibility/2006">
-    <mc:Choice xmlns:p14="http://schemas.microsoft.com/office/powerpoint/2010/main" Requires="p14">
+  <mc:AlternateContent xmlns:mc="http://schemas.openxmlformats.org/markup-compatibility/2006" xmlns:p14="http://schemas.microsoft.com/office/powerpoint/2010/main">
+    <mc:Choice Requires="p14">
       <p:transition spd="slow" p14:dur="2000">
         <p14:reveal/>
       </p:transition>
     </mc:Choice>
-    <mc:Fallback>
+    <mc:Fallback xmlns="">
       <p:transition spd="slow">
         <p:fade/>
       </p:transition>
